--- a/Overview/commcare_overview.pptx
+++ b/Overview/commcare_overview.pptx
@@ -5,10 +5,10 @@
     <p:sldMasterId id="2147483648" r:id="rId1"/>
   </p:sldMasterIdLst>
   <p:notesMasterIdLst>
-    <p:notesMasterId r:id="rId10"/>
+    <p:notesMasterId r:id="rId13"/>
   </p:notesMasterIdLst>
   <p:handoutMasterIdLst>
-    <p:handoutMasterId r:id="rId11"/>
+    <p:handoutMasterId r:id="rId14"/>
   </p:handoutMasterIdLst>
   <p:sldIdLst>
     <p:sldId id="258" r:id="rId2"/>
@@ -19,6 +19,9 @@
     <p:sldId id="498" r:id="rId7"/>
     <p:sldId id="499" r:id="rId8"/>
     <p:sldId id="500" r:id="rId9"/>
+    <p:sldId id="501" r:id="rId10"/>
+    <p:sldId id="502" r:id="rId11"/>
+    <p:sldId id="503" r:id="rId12"/>
   </p:sldIdLst>
   <p:sldSz cx="9144000" cy="6858000" type="screen4x3"/>
   <p:notesSz cx="6858000" cy="9296400"/>
@@ -313,7 +316,7 @@
               <a:pPr>
                 <a:defRPr/>
               </a:pPr>
-              <a:t>11/25/15</a:t>
+              <a:t>11/29/15</a:t>
             </a:fld>
             <a:endParaRPr lang="en-US"/>
           </a:p>
@@ -525,7 +528,7 @@
               <a:pPr>
                 <a:defRPr/>
               </a:pPr>
-              <a:t>11/25/15</a:t>
+              <a:t>11/29/15</a:t>
             </a:fld>
             <a:endParaRPr lang="en-US"/>
           </a:p>
@@ -922,6 +925,330 @@
     <p:extLst>
       <p:ext uri="{BB962C8B-B14F-4D97-AF65-F5344CB8AC3E}">
         <p14:creationId xmlns:p14="http://schemas.microsoft.com/office/powerpoint/2010/main" val="1378731225"/>
+      </p:ext>
+    </p:extLst>
+  </p:cSld>
+  <p:clrMapOvr>
+    <a:masterClrMapping/>
+  </p:clrMapOvr>
+</p:notes>
+</file>
+
+<file path=ppt/notesSlides/notesSlide2.xml><?xml version="1.0" encoding="utf-8"?>
+<p:notes xmlns:a="http://schemas.openxmlformats.org/drawingml/2006/main" xmlns:r="http://schemas.openxmlformats.org/officeDocument/2006/relationships" xmlns:p="http://schemas.openxmlformats.org/presentationml/2006/main">
+  <p:cSld>
+    <p:spTree>
+      <p:nvGrpSpPr>
+        <p:cNvPr id="1" name=""/>
+        <p:cNvGrpSpPr/>
+        <p:nvPr/>
+      </p:nvGrpSpPr>
+      <p:grpSpPr>
+        <a:xfrm>
+          <a:off x="0" y="0"/>
+          <a:ext cx="0" cy="0"/>
+          <a:chOff x="0" y="0"/>
+          <a:chExt cx="0" cy="0"/>
+        </a:xfrm>
+      </p:grpSpPr>
+      <p:sp>
+        <p:nvSpPr>
+          <p:cNvPr id="2" name="Slide Image Placeholder 1"/>
+          <p:cNvSpPr>
+            <a:spLocks noGrp="1" noRot="1" noChangeAspect="1"/>
+          </p:cNvSpPr>
+          <p:nvPr>
+            <p:ph type="sldImg"/>
+          </p:nvPr>
+        </p:nvSpPr>
+        <p:spPr/>
+      </p:sp>
+      <p:sp>
+        <p:nvSpPr>
+          <p:cNvPr id="3" name="Notes Placeholder 2"/>
+          <p:cNvSpPr>
+            <a:spLocks noGrp="1"/>
+          </p:cNvSpPr>
+          <p:nvPr>
+            <p:ph type="body" idx="1"/>
+          </p:nvPr>
+        </p:nvSpPr>
+        <p:spPr/>
+        <p:txBody>
+          <a:bodyPr/>
+          <a:lstStyle/>
+          <a:p>
+            <a:r>
+              <a:rPr lang="en-US" dirty="0" smtClean="0"/>
+              <a:t>Build</a:t>
+            </a:r>
+            <a:r>
+              <a:rPr lang="en-US" baseline="0" dirty="0" smtClean="0"/>
+              <a:t> phone applications</a:t>
+            </a:r>
+          </a:p>
+          <a:p>
+            <a:r>
+              <a:rPr lang="en-US" baseline="0" dirty="0" err="1" smtClean="0"/>
+              <a:t>CommCare</a:t>
+            </a:r>
+            <a:r>
+              <a:rPr lang="en-US" baseline="0" dirty="0" smtClean="0"/>
+              <a:t> is the phone application</a:t>
+            </a:r>
+          </a:p>
+          <a:p>
+            <a:r>
+              <a:rPr lang="en-US" baseline="0" dirty="0" err="1" smtClean="0"/>
+              <a:t>CommCareHQ</a:t>
+            </a:r>
+            <a:r>
+              <a:rPr lang="en-US" baseline="0" dirty="0" smtClean="0"/>
+              <a:t> is where the binary for the application is built</a:t>
+            </a:r>
+          </a:p>
+          <a:p>
+            <a:r>
+              <a:rPr lang="en-US" baseline="0" dirty="0" smtClean="0"/>
+              <a:t>All data is sent to </a:t>
+            </a:r>
+            <a:r>
+              <a:rPr lang="en-US" baseline="0" dirty="0" err="1" smtClean="0"/>
+              <a:t>CommCareHQ</a:t>
+            </a:r>
+            <a:endParaRPr lang="en-US" dirty="0"/>
+          </a:p>
+        </p:txBody>
+      </p:sp>
+      <p:sp>
+        <p:nvSpPr>
+          <p:cNvPr id="4" name="Slide Number Placeholder 3"/>
+          <p:cNvSpPr>
+            <a:spLocks noGrp="1"/>
+          </p:cNvSpPr>
+          <p:nvPr>
+            <p:ph type="sldNum" sz="quarter" idx="10"/>
+          </p:nvPr>
+        </p:nvSpPr>
+        <p:spPr/>
+        <p:txBody>
+          <a:bodyPr/>
+          <a:lstStyle/>
+          <a:p>
+            <a:pPr>
+              <a:defRPr/>
+            </a:pPr>
+            <a:fld id="{307EBDA9-1523-4B97-AE6B-A78B2B72B3F3}" type="slidenum">
+              <a:rPr lang="en-US" smtClean="0"/>
+              <a:pPr>
+                <a:defRPr/>
+              </a:pPr>
+              <a:t>1</a:t>
+            </a:fld>
+            <a:endParaRPr lang="en-US"/>
+          </a:p>
+        </p:txBody>
+      </p:sp>
+    </p:spTree>
+    <p:extLst>
+      <p:ext uri="{BB962C8B-B14F-4D97-AF65-F5344CB8AC3E}">
+        <p14:creationId xmlns:p14="http://schemas.microsoft.com/office/powerpoint/2010/main" val="1151945366"/>
+      </p:ext>
+    </p:extLst>
+  </p:cSld>
+  <p:clrMapOvr>
+    <a:masterClrMapping/>
+  </p:clrMapOvr>
+</p:notes>
+</file>
+
+<file path=ppt/notesSlides/notesSlide3.xml><?xml version="1.0" encoding="utf-8"?>
+<p:notes xmlns:a="http://schemas.openxmlformats.org/drawingml/2006/main" xmlns:r="http://schemas.openxmlformats.org/officeDocument/2006/relationships" xmlns:p="http://schemas.openxmlformats.org/presentationml/2006/main">
+  <p:cSld>
+    <p:spTree>
+      <p:nvGrpSpPr>
+        <p:cNvPr id="1" name=""/>
+        <p:cNvGrpSpPr/>
+        <p:nvPr/>
+      </p:nvGrpSpPr>
+      <p:grpSpPr>
+        <a:xfrm>
+          <a:off x="0" y="0"/>
+          <a:ext cx="0" cy="0"/>
+          <a:chOff x="0" y="0"/>
+          <a:chExt cx="0" cy="0"/>
+        </a:xfrm>
+      </p:grpSpPr>
+      <p:sp>
+        <p:nvSpPr>
+          <p:cNvPr id="2" name="Slide Image Placeholder 1"/>
+          <p:cNvSpPr>
+            <a:spLocks noGrp="1" noRot="1" noChangeAspect="1"/>
+          </p:cNvSpPr>
+          <p:nvPr>
+            <p:ph type="sldImg"/>
+          </p:nvPr>
+        </p:nvSpPr>
+        <p:spPr/>
+      </p:sp>
+      <p:sp>
+        <p:nvSpPr>
+          <p:cNvPr id="3" name="Notes Placeholder 2"/>
+          <p:cNvSpPr>
+            <a:spLocks noGrp="1"/>
+          </p:cNvSpPr>
+          <p:nvPr>
+            <p:ph type="body" idx="1"/>
+          </p:nvPr>
+        </p:nvSpPr>
+        <p:spPr/>
+        <p:txBody>
+          <a:bodyPr/>
+          <a:lstStyle/>
+          <a:p>
+            <a:r>
+              <a:rPr lang="en-US" dirty="0" err="1" smtClean="0"/>
+              <a:t>CommCareHQ</a:t>
+            </a:r>
+            <a:r>
+              <a:rPr lang="en-US" dirty="0" smtClean="0"/>
+              <a:t> has multiple ways</a:t>
+            </a:r>
+            <a:r>
+              <a:rPr lang="en-US" baseline="0" dirty="0" smtClean="0"/>
+              <a:t> to capture GPS we’ll go over each of the ways</a:t>
+            </a:r>
+            <a:endParaRPr lang="en-US" dirty="0"/>
+          </a:p>
+        </p:txBody>
+      </p:sp>
+      <p:sp>
+        <p:nvSpPr>
+          <p:cNvPr id="4" name="Slide Number Placeholder 3"/>
+          <p:cNvSpPr>
+            <a:spLocks noGrp="1"/>
+          </p:cNvSpPr>
+          <p:nvPr>
+            <p:ph type="sldNum" sz="quarter" idx="10"/>
+          </p:nvPr>
+        </p:nvSpPr>
+        <p:spPr/>
+        <p:txBody>
+          <a:bodyPr/>
+          <a:lstStyle/>
+          <a:p>
+            <a:pPr>
+              <a:defRPr/>
+            </a:pPr>
+            <a:fld id="{307EBDA9-1523-4B97-AE6B-A78B2B72B3F3}" type="slidenum">
+              <a:rPr lang="en-US" smtClean="0"/>
+              <a:pPr>
+                <a:defRPr/>
+              </a:pPr>
+              <a:t>5</a:t>
+            </a:fld>
+            <a:endParaRPr lang="en-US"/>
+          </a:p>
+        </p:txBody>
+      </p:sp>
+    </p:spTree>
+    <p:extLst>
+      <p:ext uri="{BB962C8B-B14F-4D97-AF65-F5344CB8AC3E}">
+        <p14:creationId xmlns:p14="http://schemas.microsoft.com/office/powerpoint/2010/main" val="44607072"/>
+      </p:ext>
+    </p:extLst>
+  </p:cSld>
+  <p:clrMapOvr>
+    <a:masterClrMapping/>
+  </p:clrMapOvr>
+</p:notes>
+</file>
+
+<file path=ppt/notesSlides/notesSlide4.xml><?xml version="1.0" encoding="utf-8"?>
+<p:notes xmlns:a="http://schemas.openxmlformats.org/drawingml/2006/main" xmlns:r="http://schemas.openxmlformats.org/officeDocument/2006/relationships" xmlns:p="http://schemas.openxmlformats.org/presentationml/2006/main">
+  <p:cSld>
+    <p:spTree>
+      <p:nvGrpSpPr>
+        <p:cNvPr id="1" name=""/>
+        <p:cNvGrpSpPr/>
+        <p:nvPr/>
+      </p:nvGrpSpPr>
+      <p:grpSpPr>
+        <a:xfrm>
+          <a:off x="0" y="0"/>
+          <a:ext cx="0" cy="0"/>
+          <a:chOff x="0" y="0"/>
+          <a:chExt cx="0" cy="0"/>
+        </a:xfrm>
+      </p:grpSpPr>
+      <p:sp>
+        <p:nvSpPr>
+          <p:cNvPr id="2" name="Slide Image Placeholder 1"/>
+          <p:cNvSpPr>
+            <a:spLocks noGrp="1" noRot="1" noChangeAspect="1"/>
+          </p:cNvSpPr>
+          <p:nvPr>
+            <p:ph type="sldImg"/>
+          </p:nvPr>
+        </p:nvSpPr>
+        <p:spPr/>
+      </p:sp>
+      <p:sp>
+        <p:nvSpPr>
+          <p:cNvPr id="3" name="Notes Placeholder 2"/>
+          <p:cNvSpPr>
+            <a:spLocks noGrp="1"/>
+          </p:cNvSpPr>
+          <p:nvPr>
+            <p:ph type="body" idx="1"/>
+          </p:nvPr>
+        </p:nvSpPr>
+        <p:spPr/>
+        <p:txBody>
+          <a:bodyPr/>
+          <a:lstStyle/>
+          <a:p>
+            <a:r>
+              <a:rPr lang="en-US" dirty="0" smtClean="0"/>
+              <a:t>Custom reports</a:t>
+            </a:r>
+            <a:endParaRPr lang="en-US" dirty="0"/>
+          </a:p>
+        </p:txBody>
+      </p:sp>
+      <p:sp>
+        <p:nvSpPr>
+          <p:cNvPr id="4" name="Slide Number Placeholder 3"/>
+          <p:cNvSpPr>
+            <a:spLocks noGrp="1"/>
+          </p:cNvSpPr>
+          <p:nvPr>
+            <p:ph type="sldNum" sz="quarter" idx="10"/>
+          </p:nvPr>
+        </p:nvSpPr>
+        <p:spPr/>
+        <p:txBody>
+          <a:bodyPr/>
+          <a:lstStyle/>
+          <a:p>
+            <a:pPr>
+              <a:defRPr/>
+            </a:pPr>
+            <a:fld id="{307EBDA9-1523-4B97-AE6B-A78B2B72B3F3}" type="slidenum">
+              <a:rPr lang="en-US" smtClean="0"/>
+              <a:pPr>
+                <a:defRPr/>
+              </a:pPr>
+              <a:t>7</a:t>
+            </a:fld>
+            <a:endParaRPr lang="en-US"/>
+          </a:p>
+        </p:txBody>
+      </p:sp>
+    </p:spTree>
+    <p:extLst>
+      <p:ext uri="{BB962C8B-B14F-4D97-AF65-F5344CB8AC3E}">
+        <p14:creationId xmlns:p14="http://schemas.microsoft.com/office/powerpoint/2010/main" val="982514143"/>
       </p:ext>
     </p:extLst>
   </p:cSld>
@@ -2495,6 +2822,265 @@
 </p:sld>
 </file>
 
+<file path=ppt/slides/slide10.xml><?xml version="1.0" encoding="utf-8"?>
+<p:sld xmlns:a="http://schemas.openxmlformats.org/drawingml/2006/main" xmlns:r="http://schemas.openxmlformats.org/officeDocument/2006/relationships" xmlns:p="http://schemas.openxmlformats.org/presentationml/2006/main">
+  <p:cSld>
+    <p:spTree>
+      <p:nvGrpSpPr>
+        <p:cNvPr id="1" name=""/>
+        <p:cNvGrpSpPr/>
+        <p:nvPr/>
+      </p:nvGrpSpPr>
+      <p:grpSpPr>
+        <a:xfrm>
+          <a:off x="0" y="0"/>
+          <a:ext cx="0" cy="0"/>
+          <a:chOff x="0" y="0"/>
+          <a:chExt cx="0" cy="0"/>
+        </a:xfrm>
+      </p:grpSpPr>
+      <p:sp>
+        <p:nvSpPr>
+          <p:cNvPr id="2" name="Title 1"/>
+          <p:cNvSpPr>
+            <a:spLocks noGrp="1"/>
+          </p:cNvSpPr>
+          <p:nvPr>
+            <p:ph type="title"/>
+          </p:nvPr>
+        </p:nvSpPr>
+        <p:spPr/>
+        <p:txBody>
+          <a:bodyPr/>
+          <a:lstStyle/>
+          <a:p>
+            <a:r>
+              <a:rPr lang="en-US" dirty="0" err="1" smtClean="0"/>
+              <a:t>XForms</a:t>
+            </a:r>
+            <a:endParaRPr lang="en-US" dirty="0"/>
+          </a:p>
+        </p:txBody>
+      </p:sp>
+      <p:sp>
+        <p:nvSpPr>
+          <p:cNvPr id="3" name="Content Placeholder 2"/>
+          <p:cNvSpPr>
+            <a:spLocks noGrp="1"/>
+          </p:cNvSpPr>
+          <p:nvPr>
+            <p:ph idx="1"/>
+          </p:nvPr>
+        </p:nvSpPr>
+        <p:spPr/>
+        <p:txBody>
+          <a:bodyPr/>
+          <a:lstStyle/>
+          <a:p>
+            <a:r>
+              <a:rPr lang="en-US" dirty="0" err="1" smtClean="0"/>
+              <a:t>Xforms</a:t>
+            </a:r>
+            <a:r>
+              <a:rPr lang="en-US" dirty="0"/>
+              <a:t> is a w3 spec: </a:t>
+            </a:r>
+            <a:r>
+              <a:rPr lang="en-US" dirty="0">
+                <a:hlinkClick r:id="rId2"/>
+              </a:rPr>
+              <a:t>http://www.w3.org/TR/xforms</a:t>
+            </a:r>
+            <a:r>
+              <a:rPr lang="en-US" dirty="0" smtClean="0">
+                <a:hlinkClick r:id="rId2"/>
+              </a:rPr>
+              <a:t>/</a:t>
+            </a:r>
+            <a:endParaRPr lang="en-US" dirty="0" smtClean="0"/>
+          </a:p>
+          <a:p>
+            <a:r>
+              <a:rPr lang="en-US" dirty="0" err="1" smtClean="0"/>
+              <a:t>CommCare</a:t>
+            </a:r>
+            <a:r>
+              <a:rPr lang="en-US" dirty="0" smtClean="0"/>
+              <a:t> can play any </a:t>
+            </a:r>
+            <a:r>
+              <a:rPr lang="en-US" dirty="0" err="1" smtClean="0"/>
+              <a:t>xform</a:t>
+            </a:r>
+            <a:r>
+              <a:rPr lang="en-US" dirty="0" smtClean="0"/>
+              <a:t> spec</a:t>
+            </a:r>
+            <a:endParaRPr lang="en-US" dirty="0"/>
+          </a:p>
+        </p:txBody>
+      </p:sp>
+    </p:spTree>
+    <p:extLst>
+      <p:ext uri="{BB962C8B-B14F-4D97-AF65-F5344CB8AC3E}">
+        <p14:creationId xmlns:p14="http://schemas.microsoft.com/office/powerpoint/2010/main" val="657049806"/>
+      </p:ext>
+    </p:extLst>
+  </p:cSld>
+  <p:clrMapOvr>
+    <a:masterClrMapping/>
+  </p:clrMapOvr>
+</p:sld>
+</file>
+
+<file path=ppt/slides/slide11.xml><?xml version="1.0" encoding="utf-8"?>
+<p:sld xmlns:a="http://schemas.openxmlformats.org/drawingml/2006/main" xmlns:r="http://schemas.openxmlformats.org/officeDocument/2006/relationships" xmlns:p="http://schemas.openxmlformats.org/presentationml/2006/main">
+  <p:cSld>
+    <p:spTree>
+      <p:nvGrpSpPr>
+        <p:cNvPr id="1" name=""/>
+        <p:cNvGrpSpPr/>
+        <p:nvPr/>
+      </p:nvGrpSpPr>
+      <p:grpSpPr>
+        <a:xfrm>
+          <a:off x="0" y="0"/>
+          <a:ext cx="0" cy="0"/>
+          <a:chOff x="0" y="0"/>
+          <a:chExt cx="0" cy="0"/>
+        </a:xfrm>
+      </p:grpSpPr>
+      <p:sp>
+        <p:nvSpPr>
+          <p:cNvPr id="2" name="Title 1"/>
+          <p:cNvSpPr>
+            <a:spLocks noGrp="1"/>
+          </p:cNvSpPr>
+          <p:nvPr>
+            <p:ph type="title"/>
+          </p:nvPr>
+        </p:nvSpPr>
+        <p:spPr/>
+        <p:txBody>
+          <a:bodyPr/>
+          <a:lstStyle/>
+          <a:p>
+            <a:r>
+              <a:rPr lang="en-US" dirty="0" smtClean="0"/>
+              <a:t>Essence of an application</a:t>
+            </a:r>
+            <a:endParaRPr lang="en-US" dirty="0"/>
+          </a:p>
+        </p:txBody>
+      </p:sp>
+      <p:sp>
+        <p:nvSpPr>
+          <p:cNvPr id="3" name="Content Placeholder 2"/>
+          <p:cNvSpPr>
+            <a:spLocks noGrp="1"/>
+          </p:cNvSpPr>
+          <p:nvPr>
+            <p:ph idx="1"/>
+          </p:nvPr>
+        </p:nvSpPr>
+        <p:spPr/>
+        <p:txBody>
+          <a:bodyPr/>
+          <a:lstStyle/>
+          <a:p>
+            <a:pPr marL="457200" indent="-457200">
+              <a:buFont typeface="+mj-lt"/>
+              <a:buAutoNum type="arabicPeriod"/>
+            </a:pPr>
+            <a:r>
+              <a:rPr lang="en-US" dirty="0" smtClean="0"/>
+              <a:t>Download the </a:t>
+            </a:r>
+            <a:r>
+              <a:rPr lang="en-US" dirty="0" err="1" smtClean="0"/>
+              <a:t>CommCare</a:t>
+            </a:r>
+            <a:r>
+              <a:rPr lang="en-US" dirty="0" smtClean="0"/>
+              <a:t> application</a:t>
+            </a:r>
+          </a:p>
+          <a:p>
+            <a:pPr marL="457200" indent="-457200">
+              <a:buFont typeface="+mj-lt"/>
+              <a:buAutoNum type="arabicPeriod"/>
+            </a:pPr>
+            <a:r>
+              <a:rPr lang="en-US" dirty="0" smtClean="0"/>
+              <a:t>Build a </a:t>
+            </a:r>
+            <a:r>
+              <a:rPr lang="en-US" dirty="0" err="1" smtClean="0"/>
+              <a:t>ccz</a:t>
+            </a:r>
+            <a:r>
+              <a:rPr lang="en-US" dirty="0" smtClean="0"/>
+              <a:t> file on HQ (consists of forms and modules)</a:t>
+            </a:r>
+          </a:p>
+          <a:p>
+            <a:pPr marL="457200" indent="-457200">
+              <a:buFont typeface="+mj-lt"/>
+              <a:buAutoNum type="arabicPeriod"/>
+            </a:pPr>
+            <a:r>
+              <a:rPr lang="en-US" dirty="0" smtClean="0"/>
+              <a:t>The </a:t>
+            </a:r>
+            <a:r>
+              <a:rPr lang="en-US" dirty="0" err="1" smtClean="0"/>
+              <a:t>CommCare</a:t>
+            </a:r>
+            <a:r>
+              <a:rPr lang="en-US" dirty="0" smtClean="0"/>
+              <a:t> application plays that CCZ file</a:t>
+            </a:r>
+          </a:p>
+          <a:p>
+            <a:pPr marL="457200" indent="-457200">
+              <a:buFont typeface="+mj-lt"/>
+              <a:buAutoNum type="arabicPeriod"/>
+            </a:pPr>
+            <a:r>
+              <a:rPr lang="en-US" dirty="0" smtClean="0"/>
+              <a:t>Each time a form is submitted HQ processes that data</a:t>
+            </a:r>
+          </a:p>
+          <a:p>
+            <a:pPr marL="457200" indent="-457200">
+              <a:buFont typeface="+mj-lt"/>
+              <a:buAutoNum type="arabicPeriod"/>
+            </a:pPr>
+            <a:r>
+              <a:rPr lang="en-US" dirty="0" smtClean="0"/>
+              <a:t>“restores” are sent back to the phone to update the </a:t>
+            </a:r>
+            <a:r>
+              <a:rPr lang="en-US" smtClean="0"/>
+              <a:t>case database</a:t>
+            </a:r>
+            <a:endParaRPr lang="en-US" dirty="0"/>
+          </a:p>
+        </p:txBody>
+      </p:sp>
+    </p:spTree>
+    <p:extLst>
+      <p:ext uri="{BB962C8B-B14F-4D97-AF65-F5344CB8AC3E}">
+        <p14:creationId xmlns:p14="http://schemas.microsoft.com/office/powerpoint/2010/main" val="1202221509"/>
+      </p:ext>
+    </p:extLst>
+  </p:cSld>
+  <p:clrMapOvr>
+    <a:masterClrMapping/>
+  </p:clrMapOvr>
+</p:sld>
+</file>
+
 <file path=ppt/slides/slide2.xml><?xml version="1.0" encoding="utf-8"?>
 <p:sld xmlns:a="http://schemas.openxmlformats.org/drawingml/2006/main" xmlns:r="http://schemas.openxmlformats.org/officeDocument/2006/relationships" xmlns:p="http://schemas.openxmlformats.org/presentationml/2006/main">
   <p:cSld>
@@ -2578,7 +3164,7 @@
           <p:nvPr/>
         </p:nvPicPr>
         <p:blipFill>
-          <a:blip r:embed="rId2">
+          <a:blip r:embed="rId3">
             <a:extLst>
               <a:ext uri="{28A0092B-C50C-407E-A947-70E740481C1C}">
                 <a14:useLocalDpi xmlns:a14="http://schemas.microsoft.com/office/drawing/2010/main" val="0"/>
@@ -2608,7 +3194,7 @@
           <p:nvPr/>
         </p:nvPicPr>
         <p:blipFill>
-          <a:blip r:embed="rId3">
+          <a:blip r:embed="rId4">
             <a:extLst>
               <a:ext uri="{28A0092B-C50C-407E-A947-70E740481C1C}">
                 <a14:useLocalDpi xmlns:a14="http://schemas.microsoft.com/office/drawing/2010/main" val="0"/>
@@ -2638,7 +3224,7 @@
           <p:nvPr/>
         </p:nvPicPr>
         <p:blipFill>
-          <a:blip r:embed="rId3">
+          <a:blip r:embed="rId4">
             <a:extLst>
               <a:ext uri="{28A0092B-C50C-407E-A947-70E740481C1C}">
                 <a14:useLocalDpi xmlns:a14="http://schemas.microsoft.com/office/drawing/2010/main" val="0"/>
@@ -2668,7 +3254,7 @@
           <p:nvPr/>
         </p:nvPicPr>
         <p:blipFill>
-          <a:blip r:embed="rId3">
+          <a:blip r:embed="rId4">
             <a:extLst>
               <a:ext uri="{28A0092B-C50C-407E-A947-70E740481C1C}">
                 <a14:useLocalDpi xmlns:a14="http://schemas.microsoft.com/office/drawing/2010/main" val="0"/>
@@ -3156,7 +3742,7 @@
           </p:nvPr>
         </p:nvPicPr>
         <p:blipFill>
-          <a:blip r:embed="rId2">
+          <a:blip r:embed="rId3">
             <a:extLst>
               <a:ext uri="{28A0092B-C50C-407E-A947-70E740481C1C}">
                 <a14:useLocalDpi xmlns:a14="http://schemas.microsoft.com/office/drawing/2010/main" val="0"/>
@@ -3183,7 +3769,7 @@
           <p:nvPr/>
         </p:nvPicPr>
         <p:blipFill>
-          <a:blip r:embed="rId3">
+          <a:blip r:embed="rId4">
             <a:extLst>
               <a:ext uri="{28A0092B-C50C-407E-A947-70E740481C1C}">
                 <a14:useLocalDpi xmlns:a14="http://schemas.microsoft.com/office/drawing/2010/main" val="0"/>
@@ -3213,7 +3799,7 @@
           <p:nvPr/>
         </p:nvPicPr>
         <p:blipFill>
-          <a:blip r:embed="rId3">
+          <a:blip r:embed="rId4">
             <a:extLst>
               <a:ext uri="{28A0092B-C50C-407E-A947-70E740481C1C}">
                 <a14:useLocalDpi xmlns:a14="http://schemas.microsoft.com/office/drawing/2010/main" val="0"/>
@@ -3243,7 +3829,7 @@
           <p:nvPr/>
         </p:nvPicPr>
         <p:blipFill>
-          <a:blip r:embed="rId4">
+          <a:blip r:embed="rId5">
             <a:extLst>
               <a:ext uri="{28A0092B-C50C-407E-A947-70E740481C1C}">
                 <a14:useLocalDpi xmlns:a14="http://schemas.microsoft.com/office/drawing/2010/main" val="0"/>
@@ -3686,7 +4272,7 @@
           <p:nvPr/>
         </p:nvPicPr>
         <p:blipFill>
-          <a:blip r:embed="rId2">
+          <a:blip r:embed="rId3">
             <a:extLst>
               <a:ext uri="{28A0092B-C50C-407E-A947-70E740481C1C}">
                 <a14:useLocalDpi xmlns:a14="http://schemas.microsoft.com/office/drawing/2010/main" val="0"/>
@@ -3716,7 +4302,7 @@
           <p:nvPr/>
         </p:nvPicPr>
         <p:blipFill>
-          <a:blip r:embed="rId3">
+          <a:blip r:embed="rId4">
             <a:extLst>
               <a:ext uri="{28A0092B-C50C-407E-A947-70E740481C1C}">
                 <a14:useLocalDpi xmlns:a14="http://schemas.microsoft.com/office/drawing/2010/main" val="0"/>
@@ -3747,6 +4333,60 @@
   <p:clrMapOvr>
     <a:masterClrMapping/>
   </p:clrMapOvr>
+</p:sld>
+</file>
+
+<file path=ppt/slides/slide9.xml><?xml version="1.0" encoding="utf-8"?>
+<p:sld xmlns:a="http://schemas.openxmlformats.org/drawingml/2006/main" xmlns:r="http://schemas.openxmlformats.org/officeDocument/2006/relationships" xmlns:p="http://schemas.openxmlformats.org/presentationml/2006/main">
+  <p:cSld>
+    <p:spTree>
+      <p:nvGrpSpPr>
+        <p:cNvPr id="1" name=""/>
+        <p:cNvGrpSpPr/>
+        <p:nvPr/>
+      </p:nvGrpSpPr>
+      <p:grpSpPr>
+        <a:xfrm>
+          <a:off x="0" y="0"/>
+          <a:ext cx="0" cy="0"/>
+          <a:chOff x="0" y="0"/>
+          <a:chExt cx="0" cy="0"/>
+        </a:xfrm>
+      </p:grpSpPr>
+      <p:sp>
+        <p:nvSpPr>
+          <p:cNvPr id="2" name="Title 1"/>
+          <p:cNvSpPr>
+            <a:spLocks noGrp="1"/>
+          </p:cNvSpPr>
+          <p:nvPr>
+            <p:ph type="title"/>
+          </p:nvPr>
+        </p:nvSpPr>
+        <p:spPr/>
+        <p:txBody>
+          <a:bodyPr/>
+          <a:lstStyle/>
+          <a:p>
+            <a:r>
+              <a:rPr lang="en-US" dirty="0" smtClean="0"/>
+              <a:t>The Tech</a:t>
+            </a:r>
+            <a:endParaRPr lang="en-US" dirty="0"/>
+          </a:p>
+        </p:txBody>
+      </p:sp>
+    </p:spTree>
+    <p:extLst>
+      <p:ext uri="{BB962C8B-B14F-4D97-AF65-F5344CB8AC3E}">
+        <p14:creationId xmlns:p14="http://schemas.microsoft.com/office/powerpoint/2010/main" val="803876685"/>
+      </p:ext>
+    </p:extLst>
+  </p:cSld>
+  <p:clrMapOvr>
+    <a:masterClrMapping/>
+  </p:clrMapOvr>
+  <p:transition advClick="0"/>
 </p:sld>
 </file>
 

--- a/Overview/commcare_overview.pptx
+++ b/Overview/commcare_overview.pptx
@@ -14,8 +14,8 @@
     <p:sldId id="258" r:id="rId2"/>
     <p:sldId id="494" r:id="rId3"/>
     <p:sldId id="495" r:id="rId4"/>
-    <p:sldId id="496" r:id="rId5"/>
-    <p:sldId id="497" r:id="rId6"/>
+    <p:sldId id="497" r:id="rId5"/>
+    <p:sldId id="496" r:id="rId6"/>
     <p:sldId id="498" r:id="rId7"/>
     <p:sldId id="499" r:id="rId8"/>
     <p:sldId id="500" r:id="rId9"/>
@@ -1107,16 +1107,23 @@
           <a:lstStyle/>
           <a:p>
             <a:r>
+              <a:rPr lang="en-US" dirty="0" smtClean="0"/>
+              <a:t>Go over </a:t>
+            </a:r>
+            <a:r>
               <a:rPr lang="en-US" dirty="0" err="1" smtClean="0"/>
-              <a:t>CommCareHQ</a:t>
-            </a:r>
+              <a:t>commcarehq</a:t>
+            </a:r>
+            <a:endParaRPr lang="en-US" dirty="0" smtClean="0"/>
+          </a:p>
+          <a:p>
             <a:r>
               <a:rPr lang="en-US" dirty="0" smtClean="0"/>
-              <a:t> has multiple ways</a:t>
+              <a:t>There is a _lot_ of capability</a:t>
             </a:r>
             <a:r>
               <a:rPr lang="en-US" baseline="0" dirty="0" smtClean="0"/>
-              <a:t> to capture GPS we’ll go over each of the ways</a:t>
+              <a:t> in HQ, even some I’m not sure of, but we can always figure it out</a:t>
             </a:r>
             <a:endParaRPr lang="en-US" dirty="0"/>
           </a:p>
@@ -1145,7 +1152,7 @@
               <a:pPr>
                 <a:defRPr/>
               </a:pPr>
-              <a:t>5</a:t>
+              <a:t>2</a:t>
             </a:fld>
             <a:endParaRPr lang="en-US"/>
           </a:p>
@@ -1154,7 +1161,7 @@
     </p:spTree>
     <p:extLst>
       <p:ext uri="{BB962C8B-B14F-4D97-AF65-F5344CB8AC3E}">
-        <p14:creationId xmlns:p14="http://schemas.microsoft.com/office/powerpoint/2010/main" val="44607072"/>
+        <p14:creationId xmlns:p14="http://schemas.microsoft.com/office/powerpoint/2010/main" val="1830394053"/>
       </p:ext>
     </p:extLst>
   </p:cSld>
@@ -1209,6 +1216,108 @@
           <a:lstStyle/>
           <a:p>
             <a:r>
+              <a:rPr lang="en-US" dirty="0" err="1" smtClean="0"/>
+              <a:t>CommCareHQ</a:t>
+            </a:r>
+            <a:r>
+              <a:rPr lang="en-US" dirty="0" smtClean="0"/>
+              <a:t> has multiple ways</a:t>
+            </a:r>
+            <a:r>
+              <a:rPr lang="en-US" baseline="0" dirty="0" smtClean="0"/>
+              <a:t> to capture GPS we’ll go over each of the ways</a:t>
+            </a:r>
+            <a:endParaRPr lang="en-US" dirty="0"/>
+          </a:p>
+        </p:txBody>
+      </p:sp>
+      <p:sp>
+        <p:nvSpPr>
+          <p:cNvPr id="4" name="Slide Number Placeholder 3"/>
+          <p:cNvSpPr>
+            <a:spLocks noGrp="1"/>
+          </p:cNvSpPr>
+          <p:nvPr>
+            <p:ph type="sldNum" sz="quarter" idx="10"/>
+          </p:nvPr>
+        </p:nvSpPr>
+        <p:spPr/>
+        <p:txBody>
+          <a:bodyPr/>
+          <a:lstStyle/>
+          <a:p>
+            <a:pPr>
+              <a:defRPr/>
+            </a:pPr>
+            <a:fld id="{307EBDA9-1523-4B97-AE6B-A78B2B72B3F3}" type="slidenum">
+              <a:rPr lang="en-US" smtClean="0"/>
+              <a:pPr>
+                <a:defRPr/>
+              </a:pPr>
+              <a:t>5</a:t>
+            </a:fld>
+            <a:endParaRPr lang="en-US"/>
+          </a:p>
+        </p:txBody>
+      </p:sp>
+    </p:spTree>
+    <p:extLst>
+      <p:ext uri="{BB962C8B-B14F-4D97-AF65-F5344CB8AC3E}">
+        <p14:creationId xmlns:p14="http://schemas.microsoft.com/office/powerpoint/2010/main" val="44607072"/>
+      </p:ext>
+    </p:extLst>
+  </p:cSld>
+  <p:clrMapOvr>
+    <a:masterClrMapping/>
+  </p:clrMapOvr>
+</p:notes>
+</file>
+
+<file path=ppt/notesSlides/notesSlide5.xml><?xml version="1.0" encoding="utf-8"?>
+<p:notes xmlns:a="http://schemas.openxmlformats.org/drawingml/2006/main" xmlns:r="http://schemas.openxmlformats.org/officeDocument/2006/relationships" xmlns:p="http://schemas.openxmlformats.org/presentationml/2006/main">
+  <p:cSld>
+    <p:spTree>
+      <p:nvGrpSpPr>
+        <p:cNvPr id="1" name=""/>
+        <p:cNvGrpSpPr/>
+        <p:nvPr/>
+      </p:nvGrpSpPr>
+      <p:grpSpPr>
+        <a:xfrm>
+          <a:off x="0" y="0"/>
+          <a:ext cx="0" cy="0"/>
+          <a:chOff x="0" y="0"/>
+          <a:chExt cx="0" cy="0"/>
+        </a:xfrm>
+      </p:grpSpPr>
+      <p:sp>
+        <p:nvSpPr>
+          <p:cNvPr id="2" name="Slide Image Placeholder 1"/>
+          <p:cNvSpPr>
+            <a:spLocks noGrp="1" noRot="1" noChangeAspect="1"/>
+          </p:cNvSpPr>
+          <p:nvPr>
+            <p:ph type="sldImg"/>
+          </p:nvPr>
+        </p:nvSpPr>
+        <p:spPr/>
+      </p:sp>
+      <p:sp>
+        <p:nvSpPr>
+          <p:cNvPr id="3" name="Notes Placeholder 2"/>
+          <p:cNvSpPr>
+            <a:spLocks noGrp="1"/>
+          </p:cNvSpPr>
+          <p:nvPr>
+            <p:ph type="body" idx="1"/>
+          </p:nvPr>
+        </p:nvSpPr>
+        <p:spPr/>
+        <p:txBody>
+          <a:bodyPr/>
+          <a:lstStyle/>
+          <a:p>
+            <a:r>
               <a:rPr lang="en-US" dirty="0" smtClean="0"/>
               <a:t>Custom reports</a:t>
             </a:r>
@@ -1249,6 +1358,108 @@
     <p:extLst>
       <p:ext uri="{BB962C8B-B14F-4D97-AF65-F5344CB8AC3E}">
         <p14:creationId xmlns:p14="http://schemas.microsoft.com/office/powerpoint/2010/main" val="982514143"/>
+      </p:ext>
+    </p:extLst>
+  </p:cSld>
+  <p:clrMapOvr>
+    <a:masterClrMapping/>
+  </p:clrMapOvr>
+</p:notes>
+</file>
+
+<file path=ppt/notesSlides/notesSlide6.xml><?xml version="1.0" encoding="utf-8"?>
+<p:notes xmlns:a="http://schemas.openxmlformats.org/drawingml/2006/main" xmlns:r="http://schemas.openxmlformats.org/officeDocument/2006/relationships" xmlns:p="http://schemas.openxmlformats.org/presentationml/2006/main">
+  <p:cSld>
+    <p:spTree>
+      <p:nvGrpSpPr>
+        <p:cNvPr id="1" name=""/>
+        <p:cNvGrpSpPr/>
+        <p:nvPr/>
+      </p:nvGrpSpPr>
+      <p:grpSpPr>
+        <a:xfrm>
+          <a:off x="0" y="0"/>
+          <a:ext cx="0" cy="0"/>
+          <a:chOff x="0" y="0"/>
+          <a:chExt cx="0" cy="0"/>
+        </a:xfrm>
+      </p:grpSpPr>
+      <p:sp>
+        <p:nvSpPr>
+          <p:cNvPr id="2" name="Slide Image Placeholder 1"/>
+          <p:cNvSpPr>
+            <a:spLocks noGrp="1" noRot="1" noChangeAspect="1"/>
+          </p:cNvSpPr>
+          <p:nvPr>
+            <p:ph type="sldImg"/>
+          </p:nvPr>
+        </p:nvSpPr>
+        <p:spPr/>
+      </p:sp>
+      <p:sp>
+        <p:nvSpPr>
+          <p:cNvPr id="3" name="Notes Placeholder 2"/>
+          <p:cNvSpPr>
+            <a:spLocks noGrp="1"/>
+          </p:cNvSpPr>
+          <p:nvPr>
+            <p:ph type="body" idx="1"/>
+          </p:nvPr>
+        </p:nvSpPr>
+        <p:spPr/>
+        <p:txBody>
+          <a:bodyPr/>
+          <a:lstStyle/>
+          <a:p>
+            <a:r>
+              <a:rPr lang="en-US" dirty="0" smtClean="0"/>
+              <a:t>Breaks</a:t>
+            </a:r>
+            <a:r>
+              <a:rPr lang="en-US" baseline="0" dirty="0" smtClean="0"/>
+              <a:t> up form into MVC, a large improvement over web forms. Makes it easier to display on </a:t>
+            </a:r>
+            <a:r>
+              <a:rPr lang="en-US" baseline="0" smtClean="0"/>
+              <a:t>multiple devices</a:t>
+            </a:r>
+            <a:endParaRPr lang="en-US"/>
+          </a:p>
+        </p:txBody>
+      </p:sp>
+      <p:sp>
+        <p:nvSpPr>
+          <p:cNvPr id="4" name="Slide Number Placeholder 3"/>
+          <p:cNvSpPr>
+            <a:spLocks noGrp="1"/>
+          </p:cNvSpPr>
+          <p:nvPr>
+            <p:ph type="sldNum" sz="quarter" idx="10"/>
+          </p:nvPr>
+        </p:nvSpPr>
+        <p:spPr/>
+        <p:txBody>
+          <a:bodyPr/>
+          <a:lstStyle/>
+          <a:p>
+            <a:pPr>
+              <a:defRPr/>
+            </a:pPr>
+            <a:fld id="{307EBDA9-1523-4B97-AE6B-A78B2B72B3F3}" type="slidenum">
+              <a:rPr lang="en-US" smtClean="0"/>
+              <a:pPr>
+                <a:defRPr/>
+              </a:pPr>
+              <a:t>9</a:t>
+            </a:fld>
+            <a:endParaRPr lang="en-US"/>
+          </a:p>
+        </p:txBody>
+      </p:sp>
+    </p:spTree>
+    <p:extLst>
+      <p:ext uri="{BB962C8B-B14F-4D97-AF65-F5344CB8AC3E}">
+        <p14:creationId xmlns:p14="http://schemas.microsoft.com/office/powerpoint/2010/main" val="1823547185"/>
       </p:ext>
     </p:extLst>
   </p:cSld>
@@ -2887,13 +3098,13 @@
             </a:r>
             <a:r>
               <a:rPr lang="en-US" dirty="0">
-                <a:hlinkClick r:id="rId2"/>
+                <a:hlinkClick r:id="rId3"/>
               </a:rPr>
               <a:t>http://www.w3.org/TR/xforms</a:t>
             </a:r>
             <a:r>
               <a:rPr lang="en-US" dirty="0" smtClean="0">
-                <a:hlinkClick r:id="rId2"/>
+                <a:hlinkClick r:id="rId3"/>
               </a:rPr>
               <a:t>/</a:t>
             </a:r>
@@ -3058,11 +3269,7 @@
             </a:pPr>
             <a:r>
               <a:rPr lang="en-US" dirty="0" smtClean="0"/>
-              <a:t>“restores” are sent back to the phone to update the </a:t>
-            </a:r>
-            <a:r>
-              <a:rPr lang="en-US" smtClean="0"/>
-              <a:t>case database</a:t>
+              <a:t>“restores” are sent back to the phone to update the case database</a:t>
             </a:r>
             <a:endParaRPr lang="en-US" dirty="0"/>
           </a:p>
@@ -3376,6 +3583,89 @@
           <a:p>
             <a:r>
               <a:rPr lang="en-US" dirty="0" smtClean="0"/>
+              <a:t>Designing smart applications</a:t>
+            </a:r>
+            <a:endParaRPr lang="en-US" dirty="0"/>
+          </a:p>
+        </p:txBody>
+      </p:sp>
+      <p:pic>
+        <p:nvPicPr>
+          <p:cNvPr id="4" name="Picture 3"/>
+          <p:cNvPicPr>
+            <a:picLocks noChangeAspect="1"/>
+          </p:cNvPicPr>
+          <p:nvPr/>
+        </p:nvPicPr>
+        <p:blipFill>
+          <a:blip r:embed="rId2">
+            <a:extLst>
+              <a:ext uri="{28A0092B-C50C-407E-A947-70E740481C1C}">
+                <a14:useLocalDpi xmlns:a14="http://schemas.microsoft.com/office/drawing/2010/main" val="0"/>
+              </a:ext>
+            </a:extLst>
+          </a:blip>
+          <a:stretch>
+            <a:fillRect/>
+          </a:stretch>
+        </p:blipFill>
+        <p:spPr>
+          <a:xfrm>
+            <a:off x="2743200" y="1768642"/>
+            <a:ext cx="3657599" cy="3657599"/>
+          </a:xfrm>
+          <a:prstGeom prst="rect">
+            <a:avLst/>
+          </a:prstGeom>
+        </p:spPr>
+      </p:pic>
+    </p:spTree>
+    <p:extLst>
+      <p:ext uri="{BB962C8B-B14F-4D97-AF65-F5344CB8AC3E}">
+        <p14:creationId xmlns:p14="http://schemas.microsoft.com/office/powerpoint/2010/main" val="441126381"/>
+      </p:ext>
+    </p:extLst>
+  </p:cSld>
+  <p:clrMapOvr>
+    <a:masterClrMapping/>
+  </p:clrMapOvr>
+</p:sld>
+</file>
+
+<file path=ppt/slides/slide5.xml><?xml version="1.0" encoding="utf-8"?>
+<p:sld xmlns:a="http://schemas.openxmlformats.org/drawingml/2006/main" xmlns:r="http://schemas.openxmlformats.org/officeDocument/2006/relationships" xmlns:p="http://schemas.openxmlformats.org/presentationml/2006/main">
+  <p:cSld>
+    <p:spTree>
+      <p:nvGrpSpPr>
+        <p:cNvPr id="1" name=""/>
+        <p:cNvGrpSpPr/>
+        <p:nvPr/>
+      </p:nvGrpSpPr>
+      <p:grpSpPr>
+        <a:xfrm>
+          <a:off x="0" y="0"/>
+          <a:ext cx="0" cy="0"/>
+          <a:chOff x="0" y="0"/>
+          <a:chExt cx="0" cy="0"/>
+        </a:xfrm>
+      </p:grpSpPr>
+      <p:sp>
+        <p:nvSpPr>
+          <p:cNvPr id="2" name="Title 1"/>
+          <p:cNvSpPr>
+            <a:spLocks noGrp="1"/>
+          </p:cNvSpPr>
+          <p:nvPr>
+            <p:ph type="title"/>
+          </p:nvPr>
+        </p:nvSpPr>
+        <p:spPr/>
+        <p:txBody>
+          <a:bodyPr/>
+          <a:lstStyle/>
+          <a:p>
+            <a:r>
+              <a:rPr lang="en-US" dirty="0" smtClean="0"/>
               <a:t>Case Management Review</a:t>
             </a:r>
             <a:endParaRPr lang="en-US" dirty="0"/>
@@ -3595,89 +3885,6 @@
     <p:extLst>
       <p:ext uri="{BB962C8B-B14F-4D97-AF65-F5344CB8AC3E}">
         <p14:creationId xmlns:p14="http://schemas.microsoft.com/office/powerpoint/2010/main" val="1841706814"/>
-      </p:ext>
-    </p:extLst>
-  </p:cSld>
-  <p:clrMapOvr>
-    <a:masterClrMapping/>
-  </p:clrMapOvr>
-</p:sld>
-</file>
-
-<file path=ppt/slides/slide5.xml><?xml version="1.0" encoding="utf-8"?>
-<p:sld xmlns:a="http://schemas.openxmlformats.org/drawingml/2006/main" xmlns:r="http://schemas.openxmlformats.org/officeDocument/2006/relationships" xmlns:p="http://schemas.openxmlformats.org/presentationml/2006/main">
-  <p:cSld>
-    <p:spTree>
-      <p:nvGrpSpPr>
-        <p:cNvPr id="1" name=""/>
-        <p:cNvGrpSpPr/>
-        <p:nvPr/>
-      </p:nvGrpSpPr>
-      <p:grpSpPr>
-        <a:xfrm>
-          <a:off x="0" y="0"/>
-          <a:ext cx="0" cy="0"/>
-          <a:chOff x="0" y="0"/>
-          <a:chExt cx="0" cy="0"/>
-        </a:xfrm>
-      </p:grpSpPr>
-      <p:sp>
-        <p:nvSpPr>
-          <p:cNvPr id="2" name="Title 1"/>
-          <p:cNvSpPr>
-            <a:spLocks noGrp="1"/>
-          </p:cNvSpPr>
-          <p:nvPr>
-            <p:ph type="title"/>
-          </p:nvPr>
-        </p:nvSpPr>
-        <p:spPr/>
-        <p:txBody>
-          <a:bodyPr/>
-          <a:lstStyle/>
-          <a:p>
-            <a:r>
-              <a:rPr lang="en-US" dirty="0" smtClean="0"/>
-              <a:t>Designing smart applications</a:t>
-            </a:r>
-            <a:endParaRPr lang="en-US" dirty="0"/>
-          </a:p>
-        </p:txBody>
-      </p:sp>
-      <p:pic>
-        <p:nvPicPr>
-          <p:cNvPr id="4" name="Picture 3"/>
-          <p:cNvPicPr>
-            <a:picLocks noChangeAspect="1"/>
-          </p:cNvPicPr>
-          <p:nvPr/>
-        </p:nvPicPr>
-        <p:blipFill>
-          <a:blip r:embed="rId2">
-            <a:extLst>
-              <a:ext uri="{28A0092B-C50C-407E-A947-70E740481C1C}">
-                <a14:useLocalDpi xmlns:a14="http://schemas.microsoft.com/office/drawing/2010/main" val="0"/>
-              </a:ext>
-            </a:extLst>
-          </a:blip>
-          <a:stretch>
-            <a:fillRect/>
-          </a:stretch>
-        </p:blipFill>
-        <p:spPr>
-          <a:xfrm>
-            <a:off x="2743200" y="1768642"/>
-            <a:ext cx="3657599" cy="3657599"/>
-          </a:xfrm>
-          <a:prstGeom prst="rect">
-            <a:avLst/>
-          </a:prstGeom>
-        </p:spPr>
-      </p:pic>
-    </p:spTree>
-    <p:extLst>
-      <p:ext uri="{BB962C8B-B14F-4D97-AF65-F5344CB8AC3E}">
-        <p14:creationId xmlns:p14="http://schemas.microsoft.com/office/powerpoint/2010/main" val="441126381"/>
       </p:ext>
     </p:extLst>
   </p:cSld>
